--- a/Slide.pptx
+++ b/Slide.pptx
@@ -6902,7 +6902,7 @@
           <p:spPr>
             <a:xfrm>
               <a:off x="929177" y="1329272"/>
-              <a:ext cx="6465227" cy="4028896"/>
+              <a:ext cx="6465227" cy="4274514"/>
             </a:xfrm>
             <a:prstGeom prst="rect">
               <a:avLst/>
@@ -6937,6 +6937,49 @@
                   <a:sym typeface="+mn-ea"/>
                 </a:rPr>
                 <a:t>About Us, Services, Login/Signup.</a:t>
+              </a:r>
+              <a:br>
+                <a:rPr lang="en-US" sz="1600" dirty="0">
+                  <a:solidFill>
+                    <a:srgbClr val="FFFFFF"/>
+                  </a:solidFill>
+                  <a:latin typeface="Microsoft YaHei" panose="020B0503020204020204" pitchFamily="34" charset="-122"/>
+                  <a:ea typeface="Microsoft YaHei" panose="020B0503020204020204" pitchFamily="34" charset="-122"/>
+                  <a:sym typeface="+mn-ea"/>
+                </a:rPr>
+              </a:br>
+              <a:r>
+                <a:rPr lang="en-US" sz="1600" dirty="0">
+                  <a:solidFill>
+                    <a:srgbClr val="FFFFFF"/>
+                  </a:solidFill>
+                  <a:latin typeface="Microsoft YaHei" panose="020B0503020204020204" pitchFamily="34" charset="-122"/>
+                  <a:ea typeface="Microsoft YaHei" panose="020B0503020204020204" pitchFamily="34" charset="-122"/>
+                  <a:sym typeface="+mn-ea"/>
+                </a:rPr>
+                <a:t>Có thiết kế </a:t>
+              </a:r>
+              <a:r>
+                <a:rPr lang="en-US" sz="1600" b="1" dirty="0">
+                  <a:solidFill>
+                    <a:srgbClr val="FFFFFF"/>
+                  </a:solidFill>
+                  <a:latin typeface="Microsoft YaHei" panose="020B0503020204020204" pitchFamily="34" charset="-122"/>
+                  <a:ea typeface="Microsoft YaHei" panose="020B0503020204020204" pitchFamily="34" charset="-122"/>
+                  <a:sym typeface="+mn-ea"/>
+                </a:rPr>
+                <a:t>Responsive </a:t>
+              </a:r>
+              <a:r>
+                <a:rPr lang="en-US" sz="1600" dirty="0">
+                  <a:solidFill>
+                    <a:srgbClr val="FFFFFF"/>
+                  </a:solidFill>
+                  <a:latin typeface="Microsoft YaHei" panose="020B0503020204020204" pitchFamily="34" charset="-122"/>
+                  <a:ea typeface="Microsoft YaHei" panose="020B0503020204020204" pitchFamily="34" charset="-122"/>
+                  <a:sym typeface="+mn-ea"/>
+                </a:rPr>
+                <a:t>cho các thiết bị Tablet và Mobile.</a:t>
               </a:r>
               <a:endParaRPr lang="en-US" sz="1600" dirty="0">
                 <a:solidFill>
@@ -7404,7 +7447,7 @@
         <p:spPr>
           <a:xfrm>
             <a:off x="952500" y="2098675"/>
-            <a:ext cx="3236913" cy="460375"/>
+            <a:ext cx="3236913" cy="645160"/>
           </a:xfrm>
           <a:prstGeom prst="rect">
             <a:avLst/>
@@ -7424,7 +7467,7 @@
                 <a:latin typeface="Microsoft YaHei" panose="020B0503020204020204" pitchFamily="34" charset="-122"/>
                 <a:ea typeface="Microsoft YaHei" panose="020B0503020204020204" pitchFamily="34" charset="-122"/>
               </a:rPr>
-              <a:t>Chúng em có sử dụng bản thiết kế đẹp tham khảo từ Figma.</a:t>
+              <a:t>Có responsive trên tablet/mobile và sử dụng bản thiết kế đẹp tham khảo từ Figma.</a:t>
             </a:r>
             <a:endParaRPr lang="en-US" sz="1200" dirty="0">
               <a:latin typeface="Microsoft YaHei" panose="020B0503020204020204" pitchFamily="34" charset="-122"/>
